--- a/indic-wp_enhancements.pptx
+++ b/indic-wp_enhancements.pptx
@@ -5,10 +5,10 @@
     <p:sldMasterId id="2147483651" r:id="rId1"/>
   </p:sldMasterIdLst>
   <p:notesMasterIdLst>
-    <p:notesMasterId r:id="rId12"/>
+    <p:notesMasterId r:id="rId13"/>
   </p:notesMasterIdLst>
   <p:handoutMasterIdLst>
-    <p:handoutMasterId r:id="rId13"/>
+    <p:handoutMasterId r:id="rId14"/>
   </p:handoutMasterIdLst>
   <p:sldIdLst>
     <p:sldId id="420" r:id="rId2"/>
@@ -20,12 +20,13 @@
     <p:sldId id="499" r:id="rId8"/>
     <p:sldId id="500" r:id="rId9"/>
     <p:sldId id="501" r:id="rId10"/>
-    <p:sldId id="497" r:id="rId11"/>
+    <p:sldId id="503" r:id="rId11"/>
+    <p:sldId id="497" r:id="rId12"/>
   </p:sldIdLst>
   <p:sldSz cx="9144000" cy="6858000" type="screen4x3"/>
   <p:notesSz cx="6991350" cy="9282113"/>
   <p:custDataLst>
-    <p:tags r:id="rId14"/>
+    <p:tags r:id="rId15"/>
   </p:custDataLst>
   <p:defaultTextStyle>
     <a:defPPr>
@@ -2396,6 +2397,121 @@
       </p:grpSpPr>
       <p:sp>
         <p:nvSpPr>
+          <p:cNvPr id="2" name="Slide Number Placeholder 1">
+            <a:extLst>
+              <a:ext uri="{FF2B5EF4-FFF2-40B4-BE49-F238E27FC236}">
+                <a16:creationId xmlns:a16="http://schemas.microsoft.com/office/drawing/2014/main" id="{E7845A8E-C301-459F-A14D-028E56914551}"/>
+              </a:ext>
+            </a:extLst>
+          </p:cNvPr>
+          <p:cNvSpPr>
+            <a:spLocks noGrp="1"/>
+          </p:cNvSpPr>
+          <p:nvPr>
+            <p:ph type="sldNum" sz="quarter" idx="11"/>
+          </p:nvPr>
+        </p:nvSpPr>
+        <p:spPr/>
+        <p:txBody>
+          <a:bodyPr/>
+          <a:lstStyle/>
+          <a:p>
+            <a:pPr>
+              <a:defRPr/>
+            </a:pPr>
+            <a:fld id="{55707887-EE06-4E3F-9515-1ED64E674293}" type="slidenum">
+              <a:rPr lang="en-GB" smtClean="0"/>
+              <a:pPr>
+                <a:defRPr/>
+              </a:pPr>
+              <a:t>10</a:t>
+            </a:fld>
+            <a:endParaRPr lang="en-GB">
+              <a:solidFill>
+                <a:srgbClr val="FFFFFF"/>
+              </a:solidFill>
+            </a:endParaRPr>
+          </a:p>
+        </p:txBody>
+      </p:sp>
+      <p:sp>
+        <p:nvSpPr>
+          <p:cNvPr id="4" name="Rectangle 3">
+            <a:extLst>
+              <a:ext uri="{FF2B5EF4-FFF2-40B4-BE49-F238E27FC236}">
+                <a16:creationId xmlns:a16="http://schemas.microsoft.com/office/drawing/2014/main" id="{AB2473F2-D5A3-49F5-BE1D-A2CE4CD25079}"/>
+              </a:ext>
+            </a:extLst>
+          </p:cNvPr>
+          <p:cNvSpPr/>
+          <p:nvPr/>
+        </p:nvSpPr>
+        <p:spPr>
+          <a:xfrm>
+            <a:off x="1066800" y="242739"/>
+            <a:ext cx="4396588" cy="461665"/>
+          </a:xfrm>
+          <a:prstGeom prst="rect">
+            <a:avLst/>
+          </a:prstGeom>
+        </p:spPr>
+        <p:txBody>
+          <a:bodyPr wrap="none">
+            <a:spAutoFit/>
+          </a:bodyPr>
+          <a:lstStyle/>
+          <a:p>
+            <a:r>
+              <a:rPr lang="en-US" b="1" dirty="0">
+                <a:solidFill>
+                  <a:schemeClr val="bg2"/>
+                </a:solidFill>
+              </a:rPr>
+              <a:t>HATS game: Heads and Tails</a:t>
+            </a:r>
+            <a:endParaRPr lang="en-US" dirty="0">
+              <a:solidFill>
+                <a:schemeClr val="bg2"/>
+              </a:solidFill>
+            </a:endParaRPr>
+          </a:p>
+        </p:txBody>
+      </p:sp>
+    </p:spTree>
+    <p:extLst>
+      <p:ext uri="{BB962C8B-B14F-4D97-AF65-F5344CB8AC3E}">
+        <p14:creationId xmlns:p14="http://schemas.microsoft.com/office/powerpoint/2010/main" val="584056058"/>
+      </p:ext>
+    </p:extLst>
+  </p:cSld>
+  <p:clrMapOvr>
+    <a:masterClrMapping/>
+  </p:clrMapOvr>
+  <p:transition>
+    <p:wipe dir="r"/>
+  </p:transition>
+</p:sld>
+</file>
+
+<file path=ppt/slides/slide11.xml><?xml version="1.0" encoding="utf-8"?>
+<p:sld xmlns:a="http://schemas.openxmlformats.org/drawingml/2006/main" xmlns:r="http://schemas.openxmlformats.org/officeDocument/2006/relationships" xmlns:p="http://schemas.openxmlformats.org/presentationml/2006/main">
+  <p:cSld>
+    <p:spTree>
+      <p:nvGrpSpPr>
+        <p:cNvPr id="1" name=""/>
+        <p:cNvGrpSpPr/>
+        <p:nvPr/>
+      </p:nvGrpSpPr>
+      <p:grpSpPr>
+        <a:xfrm>
+          <a:off x="0" y="0"/>
+          <a:ext cx="0" cy="0"/>
+          <a:chOff x="0" y="0"/>
+          <a:chExt cx="0" cy="0"/>
+        </a:xfrm>
+      </p:grpSpPr>
+      <p:sp>
+        <p:nvSpPr>
           <p:cNvPr id="2" name="Rectangle 2">
             <a:extLst>
               <a:ext uri="{FF2B5EF4-FFF2-40B4-BE49-F238E27FC236}">
@@ -3750,7 +3866,7 @@
         <p:spPr>
           <a:xfrm>
             <a:off x="228600" y="1066800"/>
-            <a:ext cx="7992386" cy="5509200"/>
+            <a:ext cx="7992386" cy="5755422"/>
           </a:xfrm>
           <a:prstGeom prst="rect">
             <a:avLst/>
@@ -3954,10 +4070,6 @@
             </a:r>
           </a:p>
           <a:p>
-            <a:pPr marL="742950" lvl="1" indent="-285750">
-              <a:buFont typeface="Arial" panose="020B0604020202020204" pitchFamily="34" charset="0"/>
-              <a:buChar char="•"/>
-            </a:pPr>
             <a:endParaRPr lang="en-US" sz="1600" dirty="0">
               <a:solidFill>
                 <a:schemeClr val="bg2"/>
@@ -3971,7 +4083,7 @@
                   <a:schemeClr val="bg2"/>
                 </a:solidFill>
               </a:rPr>
-              <a:t>[6] Develop a mini PHP application (HATS = Heads and Tails) that makes use of the refactored Web Services.</a:t>
+              <a:t>[6] Develop a Java Client that shows the summary page (API test page)</a:t>
             </a:r>
           </a:p>
           <a:p>
@@ -3992,14 +4104,10 @@
                   <a:schemeClr val="bg2"/>
                 </a:solidFill>
               </a:rPr>
-              <a:t>[7] Develop a Java Client that shows the summary page (API test page)</a:t>
-            </a:r>
-          </a:p>
-          <a:p>
-            <a:pPr marL="285750" indent="-285750">
-              <a:buFont typeface="Arial" panose="020B0604020202020204" pitchFamily="34" charset="0"/>
-              <a:buChar char="•"/>
-            </a:pPr>
+              <a:t>[7] Develop a Python Client that shows the summary page (API test page)</a:t>
+            </a:r>
+          </a:p>
+          <a:p>
             <a:endParaRPr lang="en-US" sz="1600" dirty="0">
               <a:solidFill>
                 <a:schemeClr val="bg2"/>
@@ -4013,8 +4121,15 @@
                   <a:schemeClr val="bg2"/>
                 </a:solidFill>
               </a:rPr>
-              <a:t>[8] Develop a Python Client that shows the summary page (API test page)</a:t>
-            </a:r>
+              <a:t>[8] Develop a mini PHP application (HATS = Heads and Tails) that makes use of the refactored Web Services.</a:t>
+            </a:r>
+          </a:p>
+          <a:p>
+            <a:endParaRPr lang="en-US" sz="1600" dirty="0">
+              <a:solidFill>
+                <a:schemeClr val="bg2"/>
+              </a:solidFill>
+            </a:endParaRPr>
           </a:p>
         </p:txBody>
       </p:sp>
@@ -4426,7 +4541,7 @@
         <p:spPr>
           <a:xfrm>
             <a:off x="1066800" y="242739"/>
-            <a:ext cx="3158878" cy="461665"/>
+            <a:ext cx="5657959" cy="461665"/>
           </a:xfrm>
           <a:prstGeom prst="rect">
             <a:avLst/>
@@ -4444,7 +4559,7 @@
                   <a:schemeClr val="bg2"/>
                 </a:solidFill>
               </a:rPr>
-              <a:t>SOAP vs REST API?</a:t>
+              <a:t>SOAP vs REST API: Some Resources</a:t>
             </a:r>
             <a:endParaRPr lang="en-US" dirty="0">
               <a:solidFill>
